--- a/Examen_1/Examen1_IntroMecanica.pptx
+++ b/Examen_1/Examen1_IntroMecanica.pptx
@@ -1985,6 +1985,11 @@
         <a:bodyPr/>
         <a:lstStyle/>
         <a:p>
+          <a:pPr>
+            <a:lnSpc>
+              <a:spcPct val="100000"/>
+            </a:lnSpc>
+          </a:pPr>
           <a:r>
             <a:rPr lang="es-MX"/>
             <a:t>Comenzar a plantear el sistema progresivamente. Primero obtengan el Lagrangiano para un edificio de un piso, luego el Lagrangiano para dos y tres pisos. A partir de este resultado, generalice a </a:t>
@@ -2030,6 +2035,11 @@
         <a:bodyPr/>
         <a:lstStyle/>
         <a:p>
+          <a:pPr>
+            <a:lnSpc>
+              <a:spcPct val="100000"/>
+            </a:lnSpc>
+          </a:pPr>
           <a:r>
             <a:rPr lang="es-MX"/>
             <a:t>El sistema de referencia en el cual se plantea el Lagrangiano debe ser inercial (es decir, fuera del edificio que experimenta aceleración), sin embargo para visualizar la dinámica mediante un diagrama, es conveniente pasar al sistema de coordenadas en el interior del edificio.</a:t>
@@ -2067,6 +2077,11 @@
         <a:bodyPr/>
         <a:lstStyle/>
         <a:p>
+          <a:pPr>
+            <a:lnSpc>
+              <a:spcPct val="100000"/>
+            </a:lnSpc>
+          </a:pPr>
           <a:r>
             <a:rPr lang="es-MX"/>
             <a:t>¿Cuál es la condición de estabilidad para el edificio? Evidentemente es que no se derrumbe. Esto se puede medir a través del ángulo de las paredes.</a:t>
@@ -2663,9 +2678,9 @@
         </a:bodyPr>
         <a:lstStyle/>
         <a:p>
-          <a:pPr marL="0" lvl="0" indent="0" algn="l" defTabSz="755650">
+          <a:pPr marL="0" lvl="0" indent="0" algn="l" defTabSz="711200">
             <a:lnSpc>
-              <a:spcPct val="90000"/>
+              <a:spcPct val="100000"/>
             </a:lnSpc>
             <a:spcBef>
               <a:spcPct val="0"/>
@@ -2676,18 +2691,18 @@
             <a:buNone/>
           </a:pPr>
           <a:r>
-            <a:rPr lang="es-MX" sz="1700" kern="1200"/>
+            <a:rPr lang="es-MX" sz="1600" kern="1200"/>
             <a:t>Comenzar a plantear el sistema progresivamente. Primero obtengan el Lagrangiano para un edificio de un piso, luego el Lagrangiano para dos y tres pisos. A partir de este resultado, generalice a </a:t>
           </a:r>
           <a:r>
-            <a:rPr lang="es-MX" sz="1700" i="1" kern="1200"/>
+            <a:rPr lang="es-MX" sz="1600" i="1" kern="1200"/>
             <a:t>n</a:t>
           </a:r>
           <a:r>
-            <a:rPr lang="es-MX" sz="1700" kern="1200"/>
+            <a:rPr lang="es-MX" sz="1600" kern="1200"/>
             <a:t> pisos.</a:t>
           </a:r>
-          <a:endParaRPr lang="en-US" sz="1700" kern="1200"/>
+          <a:endParaRPr lang="en-US" sz="1600" kern="1200"/>
         </a:p>
       </dsp:txBody>
       <dsp:txXfrm>
@@ -2823,9 +2838,9 @@
         </a:bodyPr>
         <a:lstStyle/>
         <a:p>
-          <a:pPr marL="0" lvl="0" indent="0" algn="l" defTabSz="755650">
+          <a:pPr marL="0" lvl="0" indent="0" algn="l" defTabSz="711200">
             <a:lnSpc>
-              <a:spcPct val="90000"/>
+              <a:spcPct val="100000"/>
             </a:lnSpc>
             <a:spcBef>
               <a:spcPct val="0"/>
@@ -2836,10 +2851,10 @@
             <a:buNone/>
           </a:pPr>
           <a:r>
-            <a:rPr lang="es-MX" sz="1700" kern="1200"/>
+            <a:rPr lang="es-MX" sz="1600" kern="1200"/>
             <a:t>El sistema de referencia en el cual se plantea el Lagrangiano debe ser inercial (es decir, fuera del edificio que experimenta aceleración), sin embargo para visualizar la dinámica mediante un diagrama, es conveniente pasar al sistema de coordenadas en el interior del edificio.</a:t>
           </a:r>
-          <a:endParaRPr lang="en-US" sz="1700" kern="1200"/>
+          <a:endParaRPr lang="en-US" sz="1600" kern="1200"/>
         </a:p>
       </dsp:txBody>
       <dsp:txXfrm>
@@ -2975,9 +2990,9 @@
         </a:bodyPr>
         <a:lstStyle/>
         <a:p>
-          <a:pPr marL="0" lvl="0" indent="0" algn="l" defTabSz="755650">
+          <a:pPr marL="0" lvl="0" indent="0" algn="l" defTabSz="711200">
             <a:lnSpc>
-              <a:spcPct val="90000"/>
+              <a:spcPct val="100000"/>
             </a:lnSpc>
             <a:spcBef>
               <a:spcPct val="0"/>
@@ -2988,10 +3003,10 @@
             <a:buNone/>
           </a:pPr>
           <a:r>
-            <a:rPr lang="es-MX" sz="1700" kern="1200"/>
+            <a:rPr lang="es-MX" sz="1600" kern="1200"/>
             <a:t>¿Cuál es la condición de estabilidad para el edificio? Evidentemente es que no se derrumbe. Esto se puede medir a través del ángulo de las paredes.</a:t>
           </a:r>
-          <a:endParaRPr lang="en-US" sz="1700" kern="1200"/>
+          <a:endParaRPr lang="en-US" sz="1600" kern="1200"/>
         </a:p>
       </dsp:txBody>
       <dsp:txXfrm>
@@ -7383,7 +7398,7 @@
             <a:fld id="{B61BEF0D-F0BB-DE4B-95CE-6DB70DBA9567}" type="datetimeFigureOut">
               <a:rPr lang="en-US" smtClean="0"/>
               <a:pPr/>
-              <a:t>10/21/2020</a:t>
+              <a:t>10/23/2020</a:t>
             </a:fld>
             <a:endParaRPr lang="en-US" dirty="0"/>
           </a:p>
@@ -8844,7 +8859,7 @@
             <a:fld id="{B61BEF0D-F0BB-DE4B-95CE-6DB70DBA9567}" type="datetimeFigureOut">
               <a:rPr lang="en-US" smtClean="0"/>
               <a:pPr/>
-              <a:t>10/21/2020</a:t>
+              <a:t>10/23/2020</a:t>
             </a:fld>
             <a:endParaRPr lang="en-US" dirty="0"/>
           </a:p>
@@ -10299,7 +10314,7 @@
             <a:fld id="{B61BEF0D-F0BB-DE4B-95CE-6DB70DBA9567}" type="datetimeFigureOut">
               <a:rPr lang="en-US" smtClean="0"/>
               <a:pPr/>
-              <a:t>10/21/2020</a:t>
+              <a:t>10/23/2020</a:t>
             </a:fld>
             <a:endParaRPr lang="en-US" dirty="0"/>
           </a:p>
@@ -11756,7 +11771,7 @@
             <a:fld id="{B61BEF0D-F0BB-DE4B-95CE-6DB70DBA9567}" type="datetimeFigureOut">
               <a:rPr lang="en-US" smtClean="0"/>
               <a:pPr/>
-              <a:t>10/21/2020</a:t>
+              <a:t>10/23/2020</a:t>
             </a:fld>
             <a:endParaRPr lang="en-US" dirty="0"/>
           </a:p>
@@ -13266,7 +13281,7 @@
             <a:fld id="{B61BEF0D-F0BB-DE4B-95CE-6DB70DBA9567}" type="datetimeFigureOut">
               <a:rPr lang="en-US" smtClean="0"/>
               <a:pPr/>
-              <a:t>10/21/2020</a:t>
+              <a:t>10/23/2020</a:t>
             </a:fld>
             <a:endParaRPr lang="en-US" dirty="0"/>
           </a:p>
@@ -14789,7 +14804,7 @@
             <a:fld id="{B61BEF0D-F0BB-DE4B-95CE-6DB70DBA9567}" type="datetimeFigureOut">
               <a:rPr lang="en-US" smtClean="0"/>
               <a:pPr/>
-              <a:t>10/21/2020</a:t>
+              <a:t>10/23/2020</a:t>
             </a:fld>
             <a:endParaRPr lang="en-US" dirty="0"/>
           </a:p>
@@ -16456,7 +16471,7 @@
             <a:fld id="{B61BEF0D-F0BB-DE4B-95CE-6DB70DBA9567}" type="datetimeFigureOut">
               <a:rPr lang="en-US" smtClean="0"/>
               <a:pPr/>
-              <a:t>10/21/2020</a:t>
+              <a:t>10/23/2020</a:t>
             </a:fld>
             <a:endParaRPr lang="en-US" dirty="0"/>
           </a:p>
@@ -17856,7 +17871,7 @@
             <a:fld id="{B61BEF0D-F0BB-DE4B-95CE-6DB70DBA9567}" type="datetimeFigureOut">
               <a:rPr lang="en-US" smtClean="0"/>
               <a:pPr/>
-              <a:t>10/21/2020</a:t>
+              <a:t>10/23/2020</a:t>
             </a:fld>
             <a:endParaRPr lang="en-US" dirty="0"/>
           </a:p>
@@ -17958,7 +17973,7 @@
             <a:fld id="{B61BEF0D-F0BB-DE4B-95CE-6DB70DBA9567}" type="datetimeFigureOut">
               <a:rPr lang="en-US" smtClean="0"/>
               <a:pPr/>
-              <a:t>10/21/2020</a:t>
+              <a:t>10/23/2020</a:t>
             </a:fld>
             <a:endParaRPr lang="en-US" dirty="0"/>
           </a:p>
@@ -19486,7 +19501,7 @@
             <a:fld id="{B61BEF0D-F0BB-DE4B-95CE-6DB70DBA9567}" type="datetimeFigureOut">
               <a:rPr lang="en-US" smtClean="0"/>
               <a:pPr/>
-              <a:t>10/21/2020</a:t>
+              <a:t>10/23/2020</a:t>
             </a:fld>
             <a:endParaRPr lang="en-US" dirty="0"/>
           </a:p>
@@ -21024,7 +21039,7 @@
             <a:fld id="{B61BEF0D-F0BB-DE4B-95CE-6DB70DBA9567}" type="datetimeFigureOut">
               <a:rPr lang="en-US" smtClean="0"/>
               <a:pPr/>
-              <a:t>10/21/2020</a:t>
+              <a:t>10/23/2020</a:t>
             </a:fld>
             <a:endParaRPr lang="en-US" dirty="0"/>
           </a:p>
@@ -21249,7 +21264,7 @@
             <a:fld id="{B61BEF0D-F0BB-DE4B-95CE-6DB70DBA9567}" type="datetimeFigureOut">
               <a:rPr lang="en-US" smtClean="0"/>
               <a:pPr/>
-              <a:t>10/21/2020</a:t>
+              <a:t>10/23/2020</a:t>
             </a:fld>
             <a:endParaRPr lang="en-US" dirty="0"/>
           </a:p>
@@ -26082,8 +26097,8 @@
           </a:p>
         </p:txBody>
       </p:sp>
-      <mc:AlternateContent xmlns:mc="http://schemas.openxmlformats.org/markup-compatibility/2006" xmlns:a14="http://schemas.microsoft.com/office/drawing/2010/main">
-        <mc:Choice Requires="a14">
+      <mc:AlternateContent xmlns:mc="http://schemas.openxmlformats.org/markup-compatibility/2006">
+        <mc:Choice xmlns:a14="http://schemas.microsoft.com/office/drawing/2010/main" Requires="a14">
           <p:sp>
             <p:nvSpPr>
               <p:cNvPr id="3" name="Marcador de contenido 2">
@@ -26127,47 +26142,52 @@
               <a:p>
                 <a:r>
                   <a:rPr lang="es-MX" dirty="0"/>
-                  <a:t>Caracterizar la región de estabilidad del sistema sin resortes en función de la rigidez de la fuerza externa y la rigidez de las paredes, para diferentes frecuencias de la fuerza externa dada por </a:t>
+                  <a:t>Caracterizar la región de estabilidad del sistema sin resortes en función de la rigidez de la fuerza externa y la rigidez de las paredes, para diferentes frecuencias de oscilación de las partículas “del piso” cuya posición está dada por </a:t>
                 </a:r>
                 <a14:m>
                   <m:oMath xmlns:m="http://schemas.openxmlformats.org/officeDocument/2006/math">
-                    <m:sSup>
-                      <m:sSupPr>
+                    <m:sSub>
+                      <m:sSubPr>
                         <m:ctrlPr>
                           <a:rPr lang="es-MX" b="0" i="1" smtClean="0">
                             <a:latin typeface="Cambria Math" panose="02040503050406030204" pitchFamily="18" charset="0"/>
                           </a:rPr>
                         </m:ctrlPr>
-                      </m:sSupPr>
+                      </m:sSubPr>
                       <m:e>
                         <m:r>
                           <a:rPr lang="es-MX" b="0" i="1" smtClean="0">
                             <a:latin typeface="Cambria Math" panose="02040503050406030204" pitchFamily="18" charset="0"/>
                           </a:rPr>
-                          <m:t>𝐹</m:t>
+                          <m:t>𝑟</m:t>
                         </m:r>
                       </m:e>
-                      <m:sup>
+                      <m:sub>
                         <m:r>
                           <a:rPr lang="es-MX" b="0" i="1" smtClean="0">
                             <a:latin typeface="Cambria Math" panose="02040503050406030204" pitchFamily="18" charset="0"/>
                           </a:rPr>
-                          <m:t>(</m:t>
+                          <m:t>1</m:t>
                         </m:r>
+                      </m:sub>
+                    </m:sSub>
+                    <m:d>
+                      <m:dPr>
+                        <m:ctrlPr>
+                          <a:rPr lang="es-MX" b="0" i="1" smtClean="0">
+                            <a:latin typeface="Cambria Math" panose="02040503050406030204" pitchFamily="18" charset="0"/>
+                          </a:rPr>
+                        </m:ctrlPr>
+                      </m:dPr>
+                      <m:e>
                         <m:r>
                           <a:rPr lang="es-MX" b="0" i="1" smtClean="0">
                             <a:latin typeface="Cambria Math" panose="02040503050406030204" pitchFamily="18" charset="0"/>
                           </a:rPr>
-                          <m:t>𝑒</m:t>
+                          <m:t>𝑡</m:t>
                         </m:r>
-                        <m:r>
-                          <a:rPr lang="es-MX" b="0" i="1" smtClean="0">
-                            <a:latin typeface="Cambria Math" panose="02040503050406030204" pitchFamily="18" charset="0"/>
-                          </a:rPr>
-                          <m:t>)</m:t>
-                        </m:r>
-                      </m:sup>
-                    </m:sSup>
+                      </m:e>
+                    </m:d>
                     <m:r>
                       <a:rPr lang="es-MX" b="0" i="1" smtClean="0">
                         <a:latin typeface="Cambria Math" panose="02040503050406030204" pitchFamily="18" charset="0"/>
@@ -26183,6 +26203,12 @@
                         </m:ctrlPr>
                       </m:funcPr>
                       <m:fName>
+                        <m:r>
+                          <a:rPr lang="es-MX" b="0" i="1" smtClean="0">
+                            <a:latin typeface="Cambria Math" panose="02040503050406030204" pitchFamily="18" charset="0"/>
+                          </a:rPr>
+                          <m:t>(</m:t>
+                        </m:r>
                         <m:r>
                           <m:rPr>
                             <m:sty m:val="p"/>
@@ -26225,11 +26251,143 @@
                         </m:r>
                       </m:e>
                     </m:func>
+                    <m:r>
+                      <a:rPr lang="es-MX" b="0" i="1" smtClean="0">
+                        <a:latin typeface="Cambria Math" panose="02040503050406030204" pitchFamily="18" charset="0"/>
+                        <a:ea typeface="Cambria Math" panose="02040503050406030204" pitchFamily="18" charset="0"/>
+                      </a:rPr>
+                      <m:t>,0)</m:t>
+                    </m:r>
                   </m:oMath>
                 </a14:m>
                 <a:r>
                   <a:rPr lang="es-MX" dirty="0"/>
-                  <a:t>, y diferentes valores de número de pisos </a:t>
+                  <a:t> y </a:t>
+                </a:r>
+                <a14:m>
+                  <m:oMath xmlns:m="http://schemas.openxmlformats.org/officeDocument/2006/math">
+                    <m:sSub>
+                      <m:sSubPr>
+                        <m:ctrlPr>
+                          <a:rPr lang="es-MX" i="1">
+                            <a:latin typeface="Cambria Math" panose="02040503050406030204" pitchFamily="18" charset="0"/>
+                          </a:rPr>
+                        </m:ctrlPr>
+                      </m:sSubPr>
+                      <m:e>
+                        <m:r>
+                          <a:rPr lang="es-MX" i="1">
+                            <a:latin typeface="Cambria Math" panose="02040503050406030204" pitchFamily="18" charset="0"/>
+                          </a:rPr>
+                          <m:t>𝑟</m:t>
+                        </m:r>
+                      </m:e>
+                      <m:sub>
+                        <m:r>
+                          <a:rPr lang="es-MX" b="0" i="1" smtClean="0">
+                            <a:latin typeface="Cambria Math" panose="02040503050406030204" pitchFamily="18" charset="0"/>
+                          </a:rPr>
+                          <m:t>2</m:t>
+                        </m:r>
+                      </m:sub>
+                    </m:sSub>
+                    <m:d>
+                      <m:dPr>
+                        <m:ctrlPr>
+                          <a:rPr lang="es-MX" i="1">
+                            <a:latin typeface="Cambria Math" panose="02040503050406030204" pitchFamily="18" charset="0"/>
+                          </a:rPr>
+                        </m:ctrlPr>
+                      </m:dPr>
+                      <m:e>
+                        <m:r>
+                          <a:rPr lang="es-MX" i="1">
+                            <a:latin typeface="Cambria Math" panose="02040503050406030204" pitchFamily="18" charset="0"/>
+                          </a:rPr>
+                          <m:t>𝑡</m:t>
+                        </m:r>
+                      </m:e>
+                    </m:d>
+                    <m:r>
+                      <a:rPr lang="es-MX" i="1">
+                        <a:latin typeface="Cambria Math" panose="02040503050406030204" pitchFamily="18" charset="0"/>
+                      </a:rPr>
+                      <m:t>=</m:t>
+                    </m:r>
+                    <m:r>
+                      <a:rPr lang="es-MX" b="0" i="1" smtClean="0">
+                        <a:latin typeface="Cambria Math" panose="02040503050406030204" pitchFamily="18" charset="0"/>
+                      </a:rPr>
+                      <m:t>(</m:t>
+                    </m:r>
+                    <m:r>
+                      <a:rPr lang="es-MX" b="0" i="1" smtClean="0">
+                        <a:latin typeface="Cambria Math" panose="02040503050406030204" pitchFamily="18" charset="0"/>
+                      </a:rPr>
+                      <m:t>𝑙</m:t>
+                    </m:r>
+                    <m:r>
+                      <a:rPr lang="es-MX" b="0" i="1" smtClean="0">
+                        <a:latin typeface="Cambria Math" panose="02040503050406030204" pitchFamily="18" charset="0"/>
+                      </a:rPr>
+                      <m:t>+</m:t>
+                    </m:r>
+                    <m:func>
+                      <m:funcPr>
+                        <m:ctrlPr>
+                          <a:rPr lang="es-MX" i="1">
+                            <a:latin typeface="Cambria Math" panose="02040503050406030204" pitchFamily="18" charset="0"/>
+                          </a:rPr>
+                        </m:ctrlPr>
+                      </m:funcPr>
+                      <m:fName>
+                        <m:r>
+                          <m:rPr>
+                            <m:sty m:val="p"/>
+                          </m:rPr>
+                          <a:rPr lang="es-MX">
+                            <a:latin typeface="Cambria Math" panose="02040503050406030204" pitchFamily="18" charset="0"/>
+                          </a:rPr>
+                          <m:t>A</m:t>
+                        </m:r>
+                        <m:r>
+                          <a:rPr lang="es-MX">
+                            <a:latin typeface="Cambria Math" panose="02040503050406030204" pitchFamily="18" charset="0"/>
+                          </a:rPr>
+                          <m:t> </m:t>
+                        </m:r>
+                        <m:r>
+                          <m:rPr>
+                            <m:sty m:val="p"/>
+                          </m:rPr>
+                          <a:rPr lang="es-MX">
+                            <a:latin typeface="Cambria Math" panose="02040503050406030204" pitchFamily="18" charset="0"/>
+                          </a:rPr>
+                          <m:t>sin</m:t>
+                        </m:r>
+                      </m:fName>
+                      <m:e>
+                        <m:r>
+                          <a:rPr lang="es-MX" i="1">
+                            <a:latin typeface="Cambria Math" panose="02040503050406030204" pitchFamily="18" charset="0"/>
+                            <a:ea typeface="Cambria Math" panose="02040503050406030204" pitchFamily="18" charset="0"/>
+                          </a:rPr>
+                          <m:t>𝜔</m:t>
+                        </m:r>
+                        <m:r>
+                          <a:rPr lang="es-MX" i="1">
+                            <a:latin typeface="Cambria Math" panose="02040503050406030204" pitchFamily="18" charset="0"/>
+                            <a:ea typeface="Cambria Math" panose="02040503050406030204" pitchFamily="18" charset="0"/>
+                          </a:rPr>
+                          <m:t>𝑡</m:t>
+                        </m:r>
+                      </m:e>
+                    </m:func>
+                  </m:oMath>
+                </a14:m>
+                <a:r>
+                  <a:rPr lang="es-MX" dirty="0"/>
+                  <a:t>, 0), y diferentes valores de número de pisos </a:t>
                 </a:r>
                 <a:r>
                   <a:rPr lang="es-MX" i="1" dirty="0"/>
@@ -26285,7 +26443,7 @@
             </p:txBody>
           </p:sp>
         </mc:Choice>
-        <mc:Fallback xmlns="">
+        <mc:Fallback>
           <p:sp>
             <p:nvSpPr>
               <p:cNvPr id="3" name="Marcador de contenido 2">
@@ -26306,7 +26464,7 @@
               <a:blipFill>
                 <a:blip r:embed="rId2"/>
                 <a:stretch>
-                  <a:fillRect l="-874"/>
+                  <a:fillRect l="-874" r="-291"/>
                 </a:stretch>
               </a:blipFill>
             </p:spPr>
@@ -26315,7 +26473,7 @@
               <a:lstStyle/>
               <a:p>
                 <a:r>
-                  <a:rPr lang="es-MX">
+                  <a:rPr lang="en-US">
                     <a:noFill/>
                   </a:rPr>
                   <a:t> </a:t>
@@ -28463,7 +28621,7 @@
             <p:ph idx="1"/>
             <p:extLst>
               <p:ext uri="{D42A27DB-BD31-4B8C-83A1-F6EECF244321}">
-                <p14:modId xmlns:p14="http://schemas.microsoft.com/office/powerpoint/2010/main" val="3116865330"/>
+                <p14:modId xmlns:p14="http://schemas.microsoft.com/office/powerpoint/2010/main" val="2855155921"/>
               </p:ext>
             </p:extLst>
           </p:nvPr>
@@ -30205,10 +30363,10 @@
       </p:sp>
       <p:pic>
         <p:nvPicPr>
-          <p:cNvPr id="5" name="Imagen 4">
+          <p:cNvPr id="4" name="Imagen 3">
             <a:extLst>
               <a:ext uri="{FF2B5EF4-FFF2-40B4-BE49-F238E27FC236}">
-                <a16:creationId xmlns:a16="http://schemas.microsoft.com/office/drawing/2014/main" id="{BB2503F4-2BBA-4E99-9C21-C6FAF033A9D6}"/>
+                <a16:creationId xmlns:a16="http://schemas.microsoft.com/office/drawing/2014/main" id="{58AB4AAC-1D49-45EC-83CF-295CFCB394D1}"/>
               </a:ext>
             </a:extLst>
           </p:cNvPr>
@@ -30225,8 +30383,8 @@
         </p:blipFill>
         <p:spPr>
           <a:xfrm>
-            <a:off x="2133555" y="1382513"/>
-            <a:ext cx="9153570" cy="4362851"/>
+            <a:off x="3045337" y="934070"/>
+            <a:ext cx="6342550" cy="5623156"/>
           </a:xfrm>
           <a:prstGeom prst="rect">
             <a:avLst/>
@@ -31955,10 +32113,10 @@
       </p:sp>
       <p:pic>
         <p:nvPicPr>
-          <p:cNvPr id="4" name="Imagen 3">
+          <p:cNvPr id="5" name="Imagen 4">
             <a:extLst>
               <a:ext uri="{FF2B5EF4-FFF2-40B4-BE49-F238E27FC236}">
-                <a16:creationId xmlns:a16="http://schemas.microsoft.com/office/drawing/2014/main" id="{0A5F7C5C-6A69-431E-B4AE-2DA655B6293F}"/>
+                <a16:creationId xmlns:a16="http://schemas.microsoft.com/office/drawing/2014/main" id="{81AA45F5-DEF5-45AB-B9BC-B001CA8CF4B0}"/>
               </a:ext>
             </a:extLst>
           </p:cNvPr>
@@ -31975,8 +32133,8 @@
         </p:blipFill>
         <p:spPr>
           <a:xfrm>
-            <a:off x="3339171" y="1234844"/>
-            <a:ext cx="5347788" cy="4751775"/>
+            <a:off x="3478213" y="1506794"/>
+            <a:ext cx="5925070" cy="4957712"/>
           </a:xfrm>
           <a:prstGeom prst="rect">
             <a:avLst/>
@@ -33705,10 +33863,10 @@
       </p:sp>
       <p:pic>
         <p:nvPicPr>
-          <p:cNvPr id="5" name="Imagen 4">
+          <p:cNvPr id="4" name="Imagen 3">
             <a:extLst>
               <a:ext uri="{FF2B5EF4-FFF2-40B4-BE49-F238E27FC236}">
-                <a16:creationId xmlns:a16="http://schemas.microsoft.com/office/drawing/2014/main" id="{04AD1D18-A1B6-4487-9FA4-26FF70AA2AD4}"/>
+                <a16:creationId xmlns:a16="http://schemas.microsoft.com/office/drawing/2014/main" id="{0EF98B1B-61B1-4CB4-8FB2-43BAF2BCB804}"/>
               </a:ext>
             </a:extLst>
           </p:cNvPr>
@@ -33725,8 +33883,8 @@
         </p:blipFill>
         <p:spPr>
           <a:xfrm>
-            <a:off x="3137100" y="1469000"/>
-            <a:ext cx="5148063" cy="4459519"/>
+            <a:off x="2861994" y="1791665"/>
+            <a:ext cx="5258534" cy="4458322"/>
           </a:xfrm>
           <a:prstGeom prst="rect">
             <a:avLst/>

--- a/Examen_1/Examen1_IntroMecanica.pptx
+++ b/Examen_1/Examen1_IntroMecanica.pptx
@@ -7398,7 +7398,7 @@
             <a:fld id="{B61BEF0D-F0BB-DE4B-95CE-6DB70DBA9567}" type="datetimeFigureOut">
               <a:rPr lang="en-US" smtClean="0"/>
               <a:pPr/>
-              <a:t>10/23/2020</a:t>
+              <a:t>10/26/2020</a:t>
             </a:fld>
             <a:endParaRPr lang="en-US" dirty="0"/>
           </a:p>
@@ -8859,7 +8859,7 @@
             <a:fld id="{B61BEF0D-F0BB-DE4B-95CE-6DB70DBA9567}" type="datetimeFigureOut">
               <a:rPr lang="en-US" smtClean="0"/>
               <a:pPr/>
-              <a:t>10/23/2020</a:t>
+              <a:t>10/26/2020</a:t>
             </a:fld>
             <a:endParaRPr lang="en-US" dirty="0"/>
           </a:p>
@@ -10314,7 +10314,7 @@
             <a:fld id="{B61BEF0D-F0BB-DE4B-95CE-6DB70DBA9567}" type="datetimeFigureOut">
               <a:rPr lang="en-US" smtClean="0"/>
               <a:pPr/>
-              <a:t>10/23/2020</a:t>
+              <a:t>10/26/2020</a:t>
             </a:fld>
             <a:endParaRPr lang="en-US" dirty="0"/>
           </a:p>
@@ -11771,7 +11771,7 @@
             <a:fld id="{B61BEF0D-F0BB-DE4B-95CE-6DB70DBA9567}" type="datetimeFigureOut">
               <a:rPr lang="en-US" smtClean="0"/>
               <a:pPr/>
-              <a:t>10/23/2020</a:t>
+              <a:t>10/26/2020</a:t>
             </a:fld>
             <a:endParaRPr lang="en-US" dirty="0"/>
           </a:p>
@@ -13281,7 +13281,7 @@
             <a:fld id="{B61BEF0D-F0BB-DE4B-95CE-6DB70DBA9567}" type="datetimeFigureOut">
               <a:rPr lang="en-US" smtClean="0"/>
               <a:pPr/>
-              <a:t>10/23/2020</a:t>
+              <a:t>10/26/2020</a:t>
             </a:fld>
             <a:endParaRPr lang="en-US" dirty="0"/>
           </a:p>
@@ -14804,7 +14804,7 @@
             <a:fld id="{B61BEF0D-F0BB-DE4B-95CE-6DB70DBA9567}" type="datetimeFigureOut">
               <a:rPr lang="en-US" smtClean="0"/>
               <a:pPr/>
-              <a:t>10/23/2020</a:t>
+              <a:t>10/26/2020</a:t>
             </a:fld>
             <a:endParaRPr lang="en-US" dirty="0"/>
           </a:p>
@@ -16471,7 +16471,7 @@
             <a:fld id="{B61BEF0D-F0BB-DE4B-95CE-6DB70DBA9567}" type="datetimeFigureOut">
               <a:rPr lang="en-US" smtClean="0"/>
               <a:pPr/>
-              <a:t>10/23/2020</a:t>
+              <a:t>10/26/2020</a:t>
             </a:fld>
             <a:endParaRPr lang="en-US" dirty="0"/>
           </a:p>
@@ -17871,7 +17871,7 @@
             <a:fld id="{B61BEF0D-F0BB-DE4B-95CE-6DB70DBA9567}" type="datetimeFigureOut">
               <a:rPr lang="en-US" smtClean="0"/>
               <a:pPr/>
-              <a:t>10/23/2020</a:t>
+              <a:t>10/26/2020</a:t>
             </a:fld>
             <a:endParaRPr lang="en-US" dirty="0"/>
           </a:p>
@@ -17973,7 +17973,7 @@
             <a:fld id="{B61BEF0D-F0BB-DE4B-95CE-6DB70DBA9567}" type="datetimeFigureOut">
               <a:rPr lang="en-US" smtClean="0"/>
               <a:pPr/>
-              <a:t>10/23/2020</a:t>
+              <a:t>10/26/2020</a:t>
             </a:fld>
             <a:endParaRPr lang="en-US" dirty="0"/>
           </a:p>
@@ -19501,7 +19501,7 @@
             <a:fld id="{B61BEF0D-F0BB-DE4B-95CE-6DB70DBA9567}" type="datetimeFigureOut">
               <a:rPr lang="en-US" smtClean="0"/>
               <a:pPr/>
-              <a:t>10/23/2020</a:t>
+              <a:t>10/26/2020</a:t>
             </a:fld>
             <a:endParaRPr lang="en-US" dirty="0"/>
           </a:p>
@@ -21039,7 +21039,7 @@
             <a:fld id="{B61BEF0D-F0BB-DE4B-95CE-6DB70DBA9567}" type="datetimeFigureOut">
               <a:rPr lang="en-US" smtClean="0"/>
               <a:pPr/>
-              <a:t>10/23/2020</a:t>
+              <a:t>10/26/2020</a:t>
             </a:fld>
             <a:endParaRPr lang="en-US" dirty="0"/>
           </a:p>
@@ -21264,7 +21264,7 @@
             <a:fld id="{B61BEF0D-F0BB-DE4B-95CE-6DB70DBA9567}" type="datetimeFigureOut">
               <a:rPr lang="en-US" smtClean="0"/>
               <a:pPr/>
-              <a:t>10/23/2020</a:t>
+              <a:t>10/26/2020</a:t>
             </a:fld>
             <a:endParaRPr lang="en-US" dirty="0"/>
           </a:p>
@@ -26097,8 +26097,8 @@
           </a:p>
         </p:txBody>
       </p:sp>
-      <mc:AlternateContent xmlns:mc="http://schemas.openxmlformats.org/markup-compatibility/2006">
-        <mc:Choice xmlns:a14="http://schemas.microsoft.com/office/drawing/2010/main" Requires="a14">
+      <mc:AlternateContent xmlns:mc="http://schemas.openxmlformats.org/markup-compatibility/2006" xmlns:a14="http://schemas.microsoft.com/office/drawing/2010/main">
+        <mc:Choice Requires="a14">
           <p:sp>
             <p:nvSpPr>
               <p:cNvPr id="3" name="Marcador de contenido 2">
@@ -26443,7 +26443,7 @@
             </p:txBody>
           </p:sp>
         </mc:Choice>
-        <mc:Fallback>
+        <mc:Fallback xmlns="">
           <p:sp>
             <p:nvSpPr>
               <p:cNvPr id="3" name="Marcador de contenido 2">
@@ -35610,8 +35610,8 @@
           </a:fontRef>
         </p:style>
       </p:cxnSp>
-      <mc:AlternateContent xmlns:mc="http://schemas.openxmlformats.org/markup-compatibility/2006" xmlns:a14="http://schemas.microsoft.com/office/drawing/2010/main">
-        <mc:Choice Requires="a14">
+      <mc:AlternateContent xmlns:mc="http://schemas.openxmlformats.org/markup-compatibility/2006">
+        <mc:Choice xmlns:a14="http://schemas.microsoft.com/office/drawing/2010/main" Requires="a14">
           <p:sp>
             <p:nvSpPr>
               <p:cNvPr id="3" name="Marcador de contenido 2">
@@ -35662,13 +35662,6 @@
                 <a:r>
                   <a:rPr lang="es-MX" sz="1500" dirty="0"/>
                   <a:t>m = 1 Kg</a:t>
-                </a:r>
-                <a:br>
-                  <a:rPr lang="es-MX" sz="1500" dirty="0"/>
-                </a:br>
-                <a:r>
-                  <a:rPr lang="es-MX" sz="1500" dirty="0"/>
-                  <a:t>M = 20 Kg</a:t>
                 </a:r>
                 <a:br>
                   <a:rPr lang="es-MX" sz="1500" dirty="0"/>
@@ -35818,7 +35811,7 @@
             </p:txBody>
           </p:sp>
         </mc:Choice>
-        <mc:Fallback xmlns="">
+        <mc:Fallback>
           <p:sp>
             <p:nvSpPr>
               <p:cNvPr id="3" name="Marcador de contenido 2">
@@ -35852,7 +35845,7 @@
               <a:lstStyle/>
               <a:p>
                 <a:r>
-                  <a:rPr lang="es-MX">
+                  <a:rPr lang="en-US">
                     <a:noFill/>
                   </a:rPr>
                   <a:t> </a:t>
